--- a/ch02/第2章 Java基础.pptx
+++ b/ch02/第2章 Java基础.pptx
@@ -2191,7 +2191,61 @@
           <a:bodyPr/>
           <a:lstStyle/>
           <a:p>
-            <a:endParaRPr lang="zh-CN" altLang="en-US" smtClean="0">
+            <a:r>
+              <a:rPr lang="en-US" altLang="zh-CN" dirty="0" smtClean="0">
+                <a:latin typeface="Arial" charset="0"/>
+              </a:rPr>
+              <a:t>final int</a:t>
+            </a:r>
+            <a:r>
+              <a:rPr lang="en-US" altLang="zh-CN" baseline="0" dirty="0" smtClean="0">
+                <a:latin typeface="Arial" charset="0"/>
+              </a:rPr>
+              <a:t> N;</a:t>
+            </a:r>
+          </a:p>
+          <a:p>
+            <a:r>
+              <a:rPr lang="en-US" altLang="zh-CN" baseline="0" dirty="0" smtClean="0">
+                <a:latin typeface="Arial" charset="0"/>
+              </a:rPr>
+              <a:t>N = 10</a:t>
+            </a:r>
+            <a:r>
+              <a:rPr lang="zh-CN" altLang="en-US" baseline="0" dirty="0" smtClean="0">
+                <a:latin typeface="Arial" charset="0"/>
+              </a:rPr>
+              <a:t>；</a:t>
+            </a:r>
+            <a:endParaRPr lang="en-US" altLang="zh-CN" baseline="0" dirty="0" smtClean="0">
+              <a:latin typeface="Arial" charset="0"/>
+            </a:endParaRPr>
+          </a:p>
+          <a:p>
+            <a:r>
+              <a:rPr lang="en-US" altLang="zh-CN" baseline="0" dirty="0" smtClean="0">
+                <a:latin typeface="Arial" charset="0"/>
+              </a:rPr>
+              <a:t>N = 20;  //</a:t>
+            </a:r>
+            <a:r>
+              <a:rPr lang="zh-CN" altLang="en-US" baseline="0" dirty="0" smtClean="0">
+                <a:latin typeface="Arial" charset="0"/>
+              </a:rPr>
+              <a:t>编译错误</a:t>
+            </a:r>
+            <a:endParaRPr lang="en-US" altLang="zh-CN" baseline="0" dirty="0" smtClean="0">
+              <a:latin typeface="Arial" charset="0"/>
+            </a:endParaRPr>
+          </a:p>
+          <a:p>
+            <a:r>
+              <a:rPr lang="zh-CN" altLang="en-US" baseline="0" dirty="0" smtClean="0">
+                <a:latin typeface="Arial" charset="0"/>
+              </a:rPr>
+              <a:t>常量也可以先声明，后初始化，但一旦初始化，则不能改变其值。</a:t>
+            </a:r>
+            <a:endParaRPr lang="en-US" altLang="zh-CN" baseline="0" dirty="0" smtClean="0">
               <a:latin typeface="Arial" charset="0"/>
             </a:endParaRPr>
           </a:p>
@@ -3444,6 +3498,83 @@
               </a:rPr>
               <a:t>，不必再计算第二部分。</a:t>
             </a:r>
+            <a:endParaRPr lang="en-US" altLang="zh-CN" dirty="0" smtClean="0">
+              <a:latin typeface="Arial" charset="0"/>
+            </a:endParaRPr>
+          </a:p>
+          <a:p>
+            <a:endParaRPr lang="zh-CN" altLang="en-US" sz="1200" kern="1200" dirty="0" smtClean="0">
+              <a:solidFill>
+                <a:schemeClr val="tx1"/>
+              </a:solidFill>
+              <a:latin typeface="Arial" pitchFamily="34" charset="0"/>
+              <a:ea typeface="+mn-ea"/>
+              <a:cs typeface="+mn-cs"/>
+            </a:endParaRPr>
+          </a:p>
+          <a:p>
+            <a:r>
+              <a:rPr lang="en-US" altLang="zh-CN" sz="1200" b="1" kern="1200" dirty="0" smtClean="0">
+                <a:solidFill>
+                  <a:schemeClr val="tx1"/>
+                </a:solidFill>
+                <a:latin typeface="Arial" pitchFamily="34" charset="0"/>
+                <a:ea typeface="+mn-ea"/>
+                <a:cs typeface="+mn-cs"/>
+              </a:rPr>
+              <a:t>int p = 3;</a:t>
+            </a:r>
+          </a:p>
+          <a:p>
+            <a:r>
+              <a:rPr lang="en-US" altLang="zh-CN" sz="1200" kern="1200" dirty="0" smtClean="0">
+                <a:solidFill>
+                  <a:schemeClr val="tx1"/>
+                </a:solidFill>
+                <a:latin typeface="Arial" pitchFamily="34" charset="0"/>
+                <a:ea typeface="+mn-ea"/>
+                <a:cs typeface="+mn-cs"/>
+              </a:rPr>
+              <a:t>System.</a:t>
+            </a:r>
+            <a:r>
+              <a:rPr lang="en-US" altLang="zh-CN" sz="1200" b="1" i="1" kern="1200" dirty="0" smtClean="0">
+                <a:solidFill>
+                  <a:schemeClr val="tx1"/>
+                </a:solidFill>
+                <a:latin typeface="Arial" pitchFamily="34" charset="0"/>
+                <a:ea typeface="+mn-ea"/>
+                <a:cs typeface="+mn-cs"/>
+              </a:rPr>
+              <a:t>out.println(++p &lt; 5 || ++p &gt; 4);  //false</a:t>
+            </a:r>
+          </a:p>
+          <a:p>
+            <a:r>
+              <a:rPr lang="en-US" altLang="zh-CN" sz="1200" kern="1200" dirty="0" smtClean="0">
+                <a:solidFill>
+                  <a:schemeClr val="tx1"/>
+                </a:solidFill>
+                <a:latin typeface="Arial" pitchFamily="34" charset="0"/>
+                <a:ea typeface="+mn-ea"/>
+                <a:cs typeface="+mn-cs"/>
+              </a:rPr>
+              <a:t>System.</a:t>
+            </a:r>
+            <a:r>
+              <a:rPr lang="en-US" altLang="zh-CN" sz="1200" b="1" i="1" kern="1200" dirty="0" smtClean="0">
+                <a:solidFill>
+                  <a:schemeClr val="tx1"/>
+                </a:solidFill>
+                <a:latin typeface="Arial" pitchFamily="34" charset="0"/>
+                <a:ea typeface="+mn-ea"/>
+                <a:cs typeface="+mn-cs"/>
+              </a:rPr>
+              <a:t>out.println(p);  //4</a:t>
+            </a:r>
+            <a:endParaRPr lang="zh-CN" altLang="en-US" dirty="0" smtClean="0">
+              <a:latin typeface="Arial" charset="0"/>
+            </a:endParaRPr>
           </a:p>
           <a:p>
             <a:endParaRPr lang="zh-CN" altLang="en-US" dirty="0" smtClean="0">
@@ -3919,6 +4050,161 @@
             <a:r>
               <a:rPr lang="en-US" altLang="zh-CN" dirty="0" smtClean="0"/>
               <a:t>-24</a:t>
+            </a:r>
+          </a:p>
+          <a:p>
+            <a:endParaRPr lang="en-US" altLang="zh-CN" dirty="0" smtClean="0"/>
+          </a:p>
+          <a:p>
+            <a:r>
+              <a:rPr lang="en-US" altLang="zh-CN" dirty="0" smtClean="0"/>
+              <a:t>~:</a:t>
+            </a:r>
+            <a:r>
+              <a:rPr lang="en-US" altLang="zh-CN" baseline="0" dirty="0" smtClean="0"/>
+              <a:t> </a:t>
+            </a:r>
+            <a:r>
+              <a:rPr lang="zh-CN" altLang="en-US" baseline="0" dirty="0" smtClean="0"/>
+              <a:t>按位取反</a:t>
+            </a:r>
+            <a:endParaRPr lang="en-US" altLang="zh-CN" baseline="0" dirty="0" smtClean="0"/>
+          </a:p>
+          <a:p>
+            <a:r>
+              <a:rPr lang="zh-CN" altLang="en-US" baseline="0" dirty="0" smtClean="0"/>
+              <a:t>移位运算优先级小于算数运算符  </a:t>
+            </a:r>
+            <a:endParaRPr lang="en-US" altLang="zh-CN" baseline="0" dirty="0" smtClean="0"/>
+          </a:p>
+          <a:p>
+            <a:r>
+              <a:rPr lang="en-US" altLang="zh-CN" baseline="0" dirty="0" smtClean="0"/>
+              <a:t>int q = 1;</a:t>
+            </a:r>
+          </a:p>
+          <a:p>
+            <a:r>
+              <a:rPr lang="en-US" altLang="zh-CN" baseline="0" dirty="0" smtClean="0"/>
+              <a:t>System.out.println(~q + 3); //1</a:t>
+            </a:r>
+          </a:p>
+          <a:p>
+            <a:r>
+              <a:rPr lang="en-US" altLang="zh-CN" baseline="0" dirty="0" smtClean="0"/>
+              <a:t>System.out.println(q&lt;&lt;2/2); //1</a:t>
+            </a:r>
+            <a:endParaRPr lang="zh-CN" altLang="en-US" sz="1200" kern="1200" dirty="0" smtClean="0">
+              <a:solidFill>
+                <a:schemeClr val="tx1"/>
+              </a:solidFill>
+              <a:latin typeface="Arial" pitchFamily="34" charset="0"/>
+              <a:ea typeface="+mn-ea"/>
+              <a:cs typeface="+mn-cs"/>
+            </a:endParaRPr>
+          </a:p>
+          <a:p>
+            <a:r>
+              <a:rPr lang="en-US" altLang="zh-CN" sz="1200" kern="1200" dirty="0" smtClean="0">
+                <a:solidFill>
+                  <a:schemeClr val="tx1"/>
+                </a:solidFill>
+                <a:latin typeface="Arial" pitchFamily="34" charset="0"/>
+                <a:ea typeface="+mn-ea"/>
+                <a:cs typeface="+mn-cs"/>
+              </a:rPr>
+              <a:t>System.</a:t>
+            </a:r>
+            <a:r>
+              <a:rPr lang="en-US" altLang="zh-CN" sz="1200" b="1" i="1" kern="1200" dirty="0" smtClean="0">
+                <a:solidFill>
+                  <a:schemeClr val="tx1"/>
+                </a:solidFill>
+                <a:latin typeface="Arial" pitchFamily="34" charset="0"/>
+                <a:ea typeface="+mn-ea"/>
+                <a:cs typeface="+mn-cs"/>
+              </a:rPr>
+              <a:t>out.println(q&lt;&lt;q*2/2);//2</a:t>
+            </a:r>
+          </a:p>
+          <a:p>
+            <a:r>
+              <a:rPr lang="en-US" altLang="zh-CN" sz="1200" b="1" i="1" kern="1200" dirty="0" smtClean="0">
+                <a:solidFill>
+                  <a:schemeClr val="tx1"/>
+                </a:solidFill>
+                <a:latin typeface="Arial" pitchFamily="34" charset="0"/>
+                <a:ea typeface="+mn-ea"/>
+                <a:cs typeface="+mn-cs"/>
+              </a:rPr>
+              <a:t>System.out.println(q&lt;&lt;q+1/2);//2</a:t>
+            </a:r>
+          </a:p>
+          <a:p>
+            <a:endParaRPr lang="en-US" altLang="zh-CN" sz="1200" b="1" i="1" kern="1200" dirty="0" smtClean="0">
+              <a:solidFill>
+                <a:schemeClr val="tx1"/>
+              </a:solidFill>
+              <a:latin typeface="Arial" pitchFamily="34" charset="0"/>
+              <a:ea typeface="+mn-ea"/>
+              <a:cs typeface="+mn-cs"/>
+            </a:endParaRPr>
+          </a:p>
+          <a:p>
+            <a:r>
+              <a:rPr lang="en-US" altLang="zh-CN" dirty="0" smtClean="0"/>
+              <a:t>&gt;&gt;&gt;    :     </a:t>
+            </a:r>
+            <a:r>
+              <a:rPr lang="zh-CN" altLang="en-US" dirty="0" smtClean="0"/>
+              <a:t>无符号右移，忽略符号位，空位都以</a:t>
+            </a:r>
+            <a:r>
+              <a:rPr lang="en-US" altLang="zh-CN" dirty="0" smtClean="0"/>
+              <a:t>0</a:t>
+            </a:r>
+            <a:r>
+              <a:rPr lang="zh-CN" altLang="en-US" dirty="0" smtClean="0"/>
+              <a:t>补齐</a:t>
+            </a:r>
+            <a:endParaRPr lang="en-US" altLang="zh-CN" dirty="0" smtClean="0"/>
+          </a:p>
+          <a:p>
+            <a:r>
+              <a:rPr lang="zh-CN" altLang="en-US" dirty="0" smtClean="0"/>
+              <a:t>无符号右移的规则只记住一点：忽略了符号位扩展，</a:t>
+            </a:r>
+            <a:r>
+              <a:rPr lang="en-US" altLang="zh-CN" dirty="0" smtClean="0"/>
+              <a:t>0</a:t>
+            </a:r>
+            <a:r>
+              <a:rPr lang="zh-CN" altLang="en-US" dirty="0" smtClean="0"/>
+              <a:t>补最高位  无符号右移运算符</a:t>
+            </a:r>
+            <a:r>
+              <a:rPr lang="en-US" altLang="zh-CN" dirty="0" smtClean="0"/>
+              <a:t>&gt;&gt;&gt; </a:t>
+            </a:r>
+            <a:r>
+              <a:rPr lang="zh-CN" altLang="en-US" dirty="0" smtClean="0"/>
+              <a:t>只是对</a:t>
+            </a:r>
+            <a:r>
+              <a:rPr lang="en-US" altLang="zh-CN" dirty="0" smtClean="0"/>
+              <a:t>32</a:t>
+            </a:r>
+            <a:r>
+              <a:rPr lang="zh-CN" altLang="en-US" dirty="0" smtClean="0"/>
+              <a:t>位和</a:t>
+            </a:r>
+            <a:r>
+              <a:rPr lang="en-US" altLang="zh-CN" dirty="0" smtClean="0"/>
+              <a:t>64</a:t>
+            </a:r>
+            <a:r>
+              <a:rPr lang="zh-CN" altLang="en-US" smtClean="0"/>
+              <a:t>位的值有意义</a:t>
             </a:r>
             <a:endParaRPr lang="pt-BR" altLang="zh-CN" dirty="0" smtClean="0"/>
           </a:p>
@@ -5404,7 +5690,7 @@
             </a:r>
             <a:r>
               <a:rPr lang="zh-CN" altLang="en-US" dirty="0" smtClean="0"/>
-              <a:t>支持整型、字符、字符串</a:t>
+              <a:t>支持整型、字符、字符串、枚举</a:t>
             </a:r>
             <a:endParaRPr lang="zh-CN" altLang="en-US" dirty="0"/>
           </a:p>
@@ -7982,6 +8268,129 @@
                 <a:latin typeface="Arial" charset="0"/>
               </a:rPr>
               <a:t>类型。</a:t>
+            </a:r>
+            <a:endParaRPr lang="en-US" altLang="zh-CN" dirty="0" smtClean="0">
+              <a:latin typeface="Arial" charset="0"/>
+            </a:endParaRPr>
+          </a:p>
+          <a:p>
+            <a:endParaRPr lang="en-US" altLang="zh-CN" dirty="0" smtClean="0">
+              <a:latin typeface="Arial" charset="0"/>
+            </a:endParaRPr>
+          </a:p>
+          <a:p>
+            <a:r>
+              <a:rPr lang="en-US" altLang="zh-CN" dirty="0" smtClean="0">
+                <a:latin typeface="Arial" charset="0"/>
+              </a:rPr>
+              <a:t>byte 1</a:t>
+            </a:r>
+            <a:r>
+              <a:rPr lang="zh-CN" altLang="en-US" dirty="0" smtClean="0">
+                <a:latin typeface="Arial" charset="0"/>
+              </a:rPr>
+              <a:t>个字节</a:t>
+            </a:r>
+          </a:p>
+          <a:p>
+            <a:r>
+              <a:rPr lang="en-US" altLang="zh-CN" dirty="0" smtClean="0">
+                <a:latin typeface="Arial" charset="0"/>
+              </a:rPr>
+              <a:t>short 2</a:t>
+            </a:r>
+            <a:r>
+              <a:rPr lang="zh-CN" altLang="en-US" dirty="0" smtClean="0">
+                <a:latin typeface="Arial" charset="0"/>
+              </a:rPr>
+              <a:t>个字节</a:t>
+            </a:r>
+          </a:p>
+          <a:p>
+            <a:r>
+              <a:rPr lang="en-US" altLang="zh-CN" dirty="0" smtClean="0">
+                <a:latin typeface="Arial" charset="0"/>
+              </a:rPr>
+              <a:t>char 2</a:t>
+            </a:r>
+            <a:r>
+              <a:rPr lang="zh-CN" altLang="en-US" dirty="0" smtClean="0">
+                <a:latin typeface="Arial" charset="0"/>
+              </a:rPr>
+              <a:t>个字节</a:t>
+            </a:r>
+          </a:p>
+          <a:p>
+            <a:r>
+              <a:rPr lang="en-US" altLang="zh-CN" dirty="0" smtClean="0">
+                <a:latin typeface="Arial" charset="0"/>
+              </a:rPr>
+              <a:t>int 4</a:t>
+            </a:r>
+            <a:r>
+              <a:rPr lang="zh-CN" altLang="en-US" dirty="0" smtClean="0">
+                <a:latin typeface="Arial" charset="0"/>
+              </a:rPr>
+              <a:t>个字节</a:t>
+            </a:r>
+          </a:p>
+          <a:p>
+            <a:r>
+              <a:rPr lang="en-US" altLang="zh-CN" dirty="0" smtClean="0">
+                <a:latin typeface="Arial" charset="0"/>
+              </a:rPr>
+              <a:t>long 8</a:t>
+            </a:r>
+            <a:r>
+              <a:rPr lang="zh-CN" altLang="en-US" dirty="0" smtClean="0">
+                <a:latin typeface="Arial" charset="0"/>
+              </a:rPr>
+              <a:t>个字节</a:t>
+            </a:r>
+          </a:p>
+          <a:p>
+            <a:r>
+              <a:rPr lang="en-US" altLang="zh-CN" dirty="0" smtClean="0">
+                <a:latin typeface="Arial" charset="0"/>
+              </a:rPr>
+              <a:t>float 4</a:t>
+            </a:r>
+            <a:r>
+              <a:rPr lang="zh-CN" altLang="en-US" dirty="0" smtClean="0">
+                <a:latin typeface="Arial" charset="0"/>
+              </a:rPr>
+              <a:t>个字节</a:t>
+            </a:r>
+          </a:p>
+          <a:p>
+            <a:r>
+              <a:rPr lang="en-US" altLang="zh-CN" dirty="0" smtClean="0">
+                <a:latin typeface="Arial" charset="0"/>
+              </a:rPr>
+              <a:t>double 8</a:t>
+            </a:r>
+            <a:r>
+              <a:rPr lang="zh-CN" altLang="en-US" dirty="0" smtClean="0">
+                <a:latin typeface="Arial" charset="0"/>
+              </a:rPr>
+              <a:t>个字节</a:t>
+            </a:r>
+            <a:endParaRPr lang="en-US" altLang="zh-CN" dirty="0" smtClean="0">
+              <a:latin typeface="Arial" charset="0"/>
+            </a:endParaRPr>
+          </a:p>
+          <a:p>
+            <a:r>
+              <a:rPr lang="en-US" altLang="zh-CN" dirty="0" smtClean="0">
+                <a:latin typeface="Arial" charset="0"/>
+              </a:rPr>
+              <a:t>boolean 1</a:t>
+            </a:r>
+            <a:r>
+              <a:rPr lang="zh-CN" altLang="en-US" dirty="0" smtClean="0">
+                <a:latin typeface="Arial" charset="0"/>
+              </a:rPr>
+              <a:t>字节</a:t>
             </a:r>
           </a:p>
         </p:txBody>
@@ -13781,13 +14190,8 @@
             </a:pPr>
             <a:r>
               <a:rPr lang="zh-CN" altLang="en-US" dirty="0" smtClean="0"/>
-              <a:t>举例</a:t>
-            </a:r>
-            <a:r>
-              <a:rPr lang="zh-CN" altLang="en-US" dirty="0" smtClean="0"/>
-              <a:t>：</a:t>
-            </a:r>
-            <a:endParaRPr lang="zh-CN" altLang="en-US" dirty="0" smtClean="0"/>
+              <a:t>举例：</a:t>
+            </a:r>
           </a:p>
         </p:txBody>
       </p:sp>
@@ -14803,11 +15207,7 @@
             </a:pPr>
             <a:r>
               <a:rPr lang="zh-CN" altLang="en-US" dirty="0" smtClean="0"/>
-              <a:t>常量是在程序运行过程中其值始终保持不变的量</a:t>
-            </a:r>
-            <a:r>
-              <a:rPr lang="zh-CN" altLang="en-US" dirty="0" smtClean="0"/>
-              <a:t>。</a:t>
+              <a:t>常量是在程序运行过程中其值始终保持不变的量。</a:t>
             </a:r>
             <a:endParaRPr lang="en-US" altLang="zh-CN" dirty="0" smtClean="0"/>
           </a:p>
@@ -14819,11 +15219,7 @@
             </a:pPr>
             <a:r>
               <a:rPr lang="zh-CN" altLang="en-US" dirty="0" smtClean="0"/>
-              <a:t>Java</a:t>
-            </a:r>
-            <a:r>
-              <a:rPr lang="zh-CN" altLang="en-US" dirty="0" smtClean="0"/>
-              <a:t>使用关键字final来定义常量。</a:t>
+              <a:t>Java使用关键字final来定义常量。</a:t>
             </a:r>
             <a:endParaRPr lang="en-US" altLang="zh-CN" dirty="0" smtClean="0"/>
           </a:p>
@@ -15968,14 +16364,14 @@
                 <a:gridCol w="3456879">
                   <a:extLst>
                     <a:ext uri="{9D8B030D-6E8A-4147-A177-3AD203B41FA5}">
-                      <a16:colId xmlns:a16="http://schemas.microsoft.com/office/drawing/2014/main" val="20000"/>
+                      <a16:colId xmlns="" xmlns:a16="http://schemas.microsoft.com/office/drawing/2014/main" val="20000"/>
                     </a:ext>
                   </a:extLst>
                 </a:gridCol>
                 <a:gridCol w="4968552">
                   <a:extLst>
                     <a:ext uri="{9D8B030D-6E8A-4147-A177-3AD203B41FA5}">
-                      <a16:colId xmlns:a16="http://schemas.microsoft.com/office/drawing/2014/main" val="20001"/>
+                      <a16:colId xmlns="" xmlns:a16="http://schemas.microsoft.com/office/drawing/2014/main" val="20001"/>
                     </a:ext>
                   </a:extLst>
                 </a:gridCol>
@@ -16192,7 +16588,7 @@
                 </a:tc>
                 <a:extLst>
                   <a:ext uri="{0D108BD9-81ED-4DB2-BD59-A6C34878D82A}">
-                    <a16:rowId xmlns:a16="http://schemas.microsoft.com/office/drawing/2014/main" val="10000"/>
+                    <a16:rowId xmlns="" xmlns:a16="http://schemas.microsoft.com/office/drawing/2014/main" val="10000"/>
                   </a:ext>
                 </a:extLst>
               </a:tr>
@@ -16380,7 +16776,7 @@
                 </a:tc>
                 <a:extLst>
                   <a:ext uri="{0D108BD9-81ED-4DB2-BD59-A6C34878D82A}">
-                    <a16:rowId xmlns:a16="http://schemas.microsoft.com/office/drawing/2014/main" val="10001"/>
+                    <a16:rowId xmlns="" xmlns:a16="http://schemas.microsoft.com/office/drawing/2014/main" val="10001"/>
                   </a:ext>
                 </a:extLst>
               </a:tr>
@@ -16568,7 +16964,7 @@
                 </a:tc>
                 <a:extLst>
                   <a:ext uri="{0D108BD9-81ED-4DB2-BD59-A6C34878D82A}">
-                    <a16:rowId xmlns:a16="http://schemas.microsoft.com/office/drawing/2014/main" val="10002"/>
+                    <a16:rowId xmlns="" xmlns:a16="http://schemas.microsoft.com/office/drawing/2014/main" val="10002"/>
                   </a:ext>
                 </a:extLst>
               </a:tr>
@@ -16756,7 +17152,7 @@
                 </a:tc>
                 <a:extLst>
                   <a:ext uri="{0D108BD9-81ED-4DB2-BD59-A6C34878D82A}">
-                    <a16:rowId xmlns:a16="http://schemas.microsoft.com/office/drawing/2014/main" val="10003"/>
+                    <a16:rowId xmlns="" xmlns:a16="http://schemas.microsoft.com/office/drawing/2014/main" val="10003"/>
                   </a:ext>
                 </a:extLst>
               </a:tr>
@@ -16944,7 +17340,7 @@
                 </a:tc>
                 <a:extLst>
                   <a:ext uri="{0D108BD9-81ED-4DB2-BD59-A6C34878D82A}">
-                    <a16:rowId xmlns:a16="http://schemas.microsoft.com/office/drawing/2014/main" val="10004"/>
+                    <a16:rowId xmlns="" xmlns:a16="http://schemas.microsoft.com/office/drawing/2014/main" val="10004"/>
                   </a:ext>
                 </a:extLst>
               </a:tr>
@@ -17132,7 +17528,7 @@
                 </a:tc>
                 <a:extLst>
                   <a:ext uri="{0D108BD9-81ED-4DB2-BD59-A6C34878D82A}">
-                    <a16:rowId xmlns:a16="http://schemas.microsoft.com/office/drawing/2014/main" val="10005"/>
+                    <a16:rowId xmlns="" xmlns:a16="http://schemas.microsoft.com/office/drawing/2014/main" val="10005"/>
                   </a:ext>
                 </a:extLst>
               </a:tr>
@@ -17320,7 +17716,7 @@
                 </a:tc>
                 <a:extLst>
                   <a:ext uri="{0D108BD9-81ED-4DB2-BD59-A6C34878D82A}">
-                    <a16:rowId xmlns:a16="http://schemas.microsoft.com/office/drawing/2014/main" val="10006"/>
+                    <a16:rowId xmlns="" xmlns:a16="http://schemas.microsoft.com/office/drawing/2014/main" val="10006"/>
                   </a:ext>
                 </a:extLst>
               </a:tr>
@@ -17508,7 +17904,7 @@
                 </a:tc>
                 <a:extLst>
                   <a:ext uri="{0D108BD9-81ED-4DB2-BD59-A6C34878D82A}">
-                    <a16:rowId xmlns:a16="http://schemas.microsoft.com/office/drawing/2014/main" val="10007"/>
+                    <a16:rowId xmlns="" xmlns:a16="http://schemas.microsoft.com/office/drawing/2014/main" val="10007"/>
                   </a:ext>
                 </a:extLst>
               </a:tr>
@@ -17713,7 +18109,7 @@
                 </a:tc>
                 <a:extLst>
                   <a:ext uri="{0D108BD9-81ED-4DB2-BD59-A6C34878D82A}">
-                    <a16:rowId xmlns:a16="http://schemas.microsoft.com/office/drawing/2014/main" val="10008"/>
+                    <a16:rowId xmlns="" xmlns:a16="http://schemas.microsoft.com/office/drawing/2014/main" val="10008"/>
                   </a:ext>
                 </a:extLst>
               </a:tr>
@@ -17937,11 +18333,7 @@
             </a:pPr>
             <a:r>
               <a:rPr lang="zh-CN" altLang="en-US" dirty="0" smtClean="0"/>
-              <a:t>它</a:t>
-            </a:r>
-            <a:r>
-              <a:rPr lang="zh-CN" altLang="en-US" dirty="0" smtClean="0"/>
-              <a:t>的操作数不能是数值。例如，</a:t>
+              <a:t>它的操作数不能是数值。例如，</a:t>
             </a:r>
             <a:r>
               <a:rPr lang="en-US" altLang="zh-CN" dirty="0" smtClean="0"/>
@@ -19845,8 +20237,8 @@
         </p:nvSpPr>
         <p:spPr>
           <a:xfrm>
-            <a:off x="4367808" y="1160749"/>
-            <a:ext cx="3672408" cy="4965415"/>
+            <a:off x="609600" y="1160749"/>
+            <a:ext cx="7430616" cy="4965415"/>
           </a:xfrm>
         </p:spPr>
         <p:txBody>
@@ -21194,14 +21586,14 @@
                 <a:gridCol w="4244975">
                   <a:extLst>
                     <a:ext uri="{9D8B030D-6E8A-4147-A177-3AD203B41FA5}">
-                      <a16:colId xmlns:a16="http://schemas.microsoft.com/office/drawing/2014/main" val="20000"/>
+                      <a16:colId xmlns="" xmlns:a16="http://schemas.microsoft.com/office/drawing/2014/main" val="20000"/>
                     </a:ext>
                   </a:extLst>
                 </a:gridCol>
                 <a:gridCol w="4324350">
                   <a:extLst>
                     <a:ext uri="{9D8B030D-6E8A-4147-A177-3AD203B41FA5}">
-                      <a16:colId xmlns:a16="http://schemas.microsoft.com/office/drawing/2014/main" val="20001"/>
+                      <a16:colId xmlns="" xmlns:a16="http://schemas.microsoft.com/office/drawing/2014/main" val="20001"/>
                     </a:ext>
                   </a:extLst>
                 </a:gridCol>
@@ -21401,7 +21793,7 @@
                 </a:tc>
                 <a:extLst>
                   <a:ext uri="{0D108BD9-81ED-4DB2-BD59-A6C34878D82A}">
-                    <a16:rowId xmlns:a16="http://schemas.microsoft.com/office/drawing/2014/main" val="10000"/>
+                    <a16:rowId xmlns="" xmlns:a16="http://schemas.microsoft.com/office/drawing/2014/main" val="10000"/>
                   </a:ext>
                 </a:extLst>
               </a:tr>
@@ -21600,7 +21992,7 @@
                 </a:tc>
                 <a:extLst>
                   <a:ext uri="{0D108BD9-81ED-4DB2-BD59-A6C34878D82A}">
-                    <a16:rowId xmlns:a16="http://schemas.microsoft.com/office/drawing/2014/main" val="10001"/>
+                    <a16:rowId xmlns="" xmlns:a16="http://schemas.microsoft.com/office/drawing/2014/main" val="10001"/>
                   </a:ext>
                 </a:extLst>
               </a:tr>
@@ -21799,7 +22191,7 @@
                 </a:tc>
                 <a:extLst>
                   <a:ext uri="{0D108BD9-81ED-4DB2-BD59-A6C34878D82A}">
-                    <a16:rowId xmlns:a16="http://schemas.microsoft.com/office/drawing/2014/main" val="10002"/>
+                    <a16:rowId xmlns="" xmlns:a16="http://schemas.microsoft.com/office/drawing/2014/main" val="10002"/>
                   </a:ext>
                 </a:extLst>
               </a:tr>
@@ -21998,7 +22390,7 @@
                 </a:tc>
                 <a:extLst>
                   <a:ext uri="{0D108BD9-81ED-4DB2-BD59-A6C34878D82A}">
-                    <a16:rowId xmlns:a16="http://schemas.microsoft.com/office/drawing/2014/main" val="10003"/>
+                    <a16:rowId xmlns="" xmlns:a16="http://schemas.microsoft.com/office/drawing/2014/main" val="10003"/>
                   </a:ext>
                 </a:extLst>
               </a:tr>
@@ -22197,7 +22589,7 @@
                 </a:tc>
                 <a:extLst>
                   <a:ext uri="{0D108BD9-81ED-4DB2-BD59-A6C34878D82A}">
-                    <a16:rowId xmlns:a16="http://schemas.microsoft.com/office/drawing/2014/main" val="10004"/>
+                    <a16:rowId xmlns="" xmlns:a16="http://schemas.microsoft.com/office/drawing/2014/main" val="10004"/>
                   </a:ext>
                 </a:extLst>
               </a:tr>
@@ -22396,7 +22788,7 @@
                 </a:tc>
                 <a:extLst>
                   <a:ext uri="{0D108BD9-81ED-4DB2-BD59-A6C34878D82A}">
-                    <a16:rowId xmlns:a16="http://schemas.microsoft.com/office/drawing/2014/main" val="10005"/>
+                    <a16:rowId xmlns="" xmlns:a16="http://schemas.microsoft.com/office/drawing/2014/main" val="10005"/>
                   </a:ext>
                 </a:extLst>
               </a:tr>
@@ -22595,7 +22987,7 @@
                 </a:tc>
                 <a:extLst>
                   <a:ext uri="{0D108BD9-81ED-4DB2-BD59-A6C34878D82A}">
-                    <a16:rowId xmlns:a16="http://schemas.microsoft.com/office/drawing/2014/main" val="10006"/>
+                    <a16:rowId xmlns="" xmlns:a16="http://schemas.microsoft.com/office/drawing/2014/main" val="10006"/>
                   </a:ext>
                 </a:extLst>
               </a:tr>
@@ -22794,7 +23186,7 @@
                 </a:tc>
                 <a:extLst>
                   <a:ext uri="{0D108BD9-81ED-4DB2-BD59-A6C34878D82A}">
-                    <a16:rowId xmlns:a16="http://schemas.microsoft.com/office/drawing/2014/main" val="10007"/>
+                    <a16:rowId xmlns="" xmlns:a16="http://schemas.microsoft.com/office/drawing/2014/main" val="10007"/>
                   </a:ext>
                 </a:extLst>
               </a:tr>
@@ -22993,7 +23385,7 @@
                 </a:tc>
                 <a:extLst>
                   <a:ext uri="{0D108BD9-81ED-4DB2-BD59-A6C34878D82A}">
-                    <a16:rowId xmlns:a16="http://schemas.microsoft.com/office/drawing/2014/main" val="10008"/>
+                    <a16:rowId xmlns="" xmlns:a16="http://schemas.microsoft.com/office/drawing/2014/main" val="10008"/>
                   </a:ext>
                 </a:extLst>
               </a:tr>
@@ -23192,7 +23584,7 @@
                 </a:tc>
                 <a:extLst>
                   <a:ext uri="{0D108BD9-81ED-4DB2-BD59-A6C34878D82A}">
-                    <a16:rowId xmlns:a16="http://schemas.microsoft.com/office/drawing/2014/main" val="10009"/>
+                    <a16:rowId xmlns="" xmlns:a16="http://schemas.microsoft.com/office/drawing/2014/main" val="10009"/>
                   </a:ext>
                 </a:extLst>
               </a:tr>
@@ -23391,7 +23783,7 @@
                 </a:tc>
                 <a:extLst>
                   <a:ext uri="{0D108BD9-81ED-4DB2-BD59-A6C34878D82A}">
-                    <a16:rowId xmlns:a16="http://schemas.microsoft.com/office/drawing/2014/main" val="10010"/>
+                    <a16:rowId xmlns="" xmlns:a16="http://schemas.microsoft.com/office/drawing/2014/main" val="10010"/>
                   </a:ext>
                 </a:extLst>
               </a:tr>
@@ -23590,7 +23982,7 @@
                 </a:tc>
                 <a:extLst>
                   <a:ext uri="{0D108BD9-81ED-4DB2-BD59-A6C34878D82A}">
-                    <a16:rowId xmlns:a16="http://schemas.microsoft.com/office/drawing/2014/main" val="10011"/>
+                    <a16:rowId xmlns="" xmlns:a16="http://schemas.microsoft.com/office/drawing/2014/main" val="10011"/>
                   </a:ext>
                 </a:extLst>
               </a:tr>
@@ -23789,7 +24181,7 @@
                 </a:tc>
                 <a:extLst>
                   <a:ext uri="{0D108BD9-81ED-4DB2-BD59-A6C34878D82A}">
-                    <a16:rowId xmlns:a16="http://schemas.microsoft.com/office/drawing/2014/main" val="10012"/>
+                    <a16:rowId xmlns="" xmlns:a16="http://schemas.microsoft.com/office/drawing/2014/main" val="10012"/>
                   </a:ext>
                 </a:extLst>
               </a:tr>
@@ -23988,7 +24380,7 @@
                 </a:tc>
                 <a:extLst>
                   <a:ext uri="{0D108BD9-81ED-4DB2-BD59-A6C34878D82A}">
-                    <a16:rowId xmlns:a16="http://schemas.microsoft.com/office/drawing/2014/main" val="10013"/>
+                    <a16:rowId xmlns="" xmlns:a16="http://schemas.microsoft.com/office/drawing/2014/main" val="10013"/>
                   </a:ext>
                 </a:extLst>
               </a:tr>
@@ -24996,11 +25388,7 @@
             </a:pPr>
             <a:r>
               <a:rPr lang="zh-CN" altLang="en-US" dirty="0" smtClean="0"/>
-              <a:t>byte→ short→ (char)→ int→long→float→ </a:t>
-            </a:r>
-            <a:r>
-              <a:rPr lang="zh-CN" altLang="en-US" dirty="0" smtClean="0"/>
-              <a:t>double。</a:t>
+              <a:t>byte→ short→ (char)→ int→long→float→ double。</a:t>
             </a:r>
             <a:endParaRPr lang="en-US" altLang="zh-CN" dirty="0" smtClean="0"/>
           </a:p>
@@ -25038,7 +25426,6 @@
               <a:rPr lang="zh-CN" altLang="en-US" dirty="0" smtClean="0"/>
               <a:t>类型。</a:t>
             </a:r>
-            <a:endParaRPr lang="zh-CN" altLang="en-US" dirty="0" smtClean="0"/>
           </a:p>
           <a:p>
             <a:pPr>
@@ -25052,7 +25439,7 @@
       </p:sp>
       <p:pic>
         <p:nvPicPr>
-          <p:cNvPr id="2" name="图片 1"/>
+          <p:cNvPr id="3" name="图片 2"/>
           <p:cNvPicPr>
             <a:picLocks noChangeAspect="1"/>
           </p:cNvPicPr>
@@ -25066,42 +25453,18 @@
               </a:ext>
             </a:extLst>
           </a:blip>
-          <a:srcRect/>
           <a:stretch>
             <a:fillRect/>
           </a:stretch>
         </p:blipFill>
-        <p:spPr bwMode="auto">
+        <p:spPr>
           <a:xfrm>
-            <a:off x="2639616" y="3284984"/>
-            <a:ext cx="5459413" cy="3429000"/>
+            <a:off x="2639616" y="2931894"/>
+            <a:ext cx="6552728" cy="3682735"/>
           </a:xfrm>
           <a:prstGeom prst="rect">
             <a:avLst/>
           </a:prstGeom>
-          <a:noFill/>
-          <a:ln>
-            <a:noFill/>
-          </a:ln>
-          <a:extLst>
-            <a:ext uri="{909E8E84-426E-40DD-AFC4-6F175D3DCCD1}">
-              <a14:hiddenFill xmlns:a14="http://schemas.microsoft.com/office/drawing/2010/main">
-                <a:solidFill>
-                  <a:srgbClr val="FFFFFF"/>
-                </a:solidFill>
-              </a14:hiddenFill>
-            </a:ext>
-            <a:ext uri="{91240B29-F687-4F45-9708-019B960494DF}">
-              <a14:hiddenLine xmlns:a14="http://schemas.microsoft.com/office/drawing/2010/main" w="9525">
-                <a:solidFill>
-                  <a:srgbClr val="000000"/>
-                </a:solidFill>
-                <a:miter lim="800000"/>
-                <a:headEnd/>
-                <a:tailEnd/>
-              </a14:hiddenLine>
-            </a:ext>
-          </a:extLst>
         </p:spPr>
       </p:pic>
     </p:spTree>
@@ -25112,83 +25475,7 @@
   <p:timing>
     <p:tnLst>
       <p:par>
-        <p:cTn id="1" dur="indefinite" restart="never" nodeType="tmRoot">
-          <p:childTnLst>
-            <p:seq concurrent="1" nextAc="seek">
-              <p:cTn id="2" dur="indefinite" nodeType="mainSeq">
-                <p:childTnLst>
-                  <p:par>
-                    <p:cTn id="3" fill="hold" nodeType="clickPar">
-                      <p:stCondLst>
-                        <p:cond delay="indefinite"/>
-                      </p:stCondLst>
-                      <p:childTnLst>
-                        <p:par>
-                          <p:cTn id="4" fill="hold" nodeType="withGroup">
-                            <p:stCondLst>
-                              <p:cond delay="0"/>
-                            </p:stCondLst>
-                            <p:childTnLst>
-                              <p:par>
-                                <p:cTn id="5" presetID="6" presetClass="entr" presetSubtype="16" fill="hold" nodeType="clickEffect">
-                                  <p:stCondLst>
-                                    <p:cond delay="0"/>
-                                  </p:stCondLst>
-                                  <p:childTnLst>
-                                    <p:set>
-                                      <p:cBhvr>
-                                        <p:cTn id="6" dur="1" fill="hold">
-                                          <p:stCondLst>
-                                            <p:cond delay="0"/>
-                                          </p:stCondLst>
-                                        </p:cTn>
-                                        <p:tgtEl>
-                                          <p:spTgt spid="2"/>
-                                        </p:tgtEl>
-                                        <p:attrNameLst>
-                                          <p:attrName>style.visibility</p:attrName>
-                                        </p:attrNameLst>
-                                      </p:cBhvr>
-                                      <p:to>
-                                        <p:strVal val="visible"/>
-                                      </p:to>
-                                    </p:set>
-                                    <p:animEffect transition="in" filter="circle(in)">
-                                      <p:cBhvr>
-                                        <p:cTn id="7" dur="2000"/>
-                                        <p:tgtEl>
-                                          <p:spTgt spid="2"/>
-                                        </p:tgtEl>
-                                      </p:cBhvr>
-                                    </p:animEffect>
-                                  </p:childTnLst>
-                                </p:cTn>
-                              </p:par>
-                            </p:childTnLst>
-                          </p:cTn>
-                        </p:par>
-                      </p:childTnLst>
-                    </p:cTn>
-                  </p:par>
-                </p:childTnLst>
-              </p:cTn>
-              <p:prevCondLst>
-                <p:cond evt="onPrev" delay="0">
-                  <p:tgtEl>
-                    <p:sldTgt/>
-                  </p:tgtEl>
-                </p:cond>
-              </p:prevCondLst>
-              <p:nextCondLst>
-                <p:cond evt="onNext" delay="0">
-                  <p:tgtEl>
-                    <p:sldTgt/>
-                  </p:tgtEl>
-                </p:cond>
-              </p:nextCondLst>
-            </p:seq>
-          </p:childTnLst>
-        </p:cTn>
+        <p:cTn id="1" dur="indefinite" restart="never" nodeType="tmRoot"/>
       </p:par>
     </p:tnLst>
   </p:timing>
@@ -25418,7 +25705,7 @@
           <a:graphicData uri="http://schemas.openxmlformats.org/presentationml/2006/ole">
             <mc:AlternateContent xmlns:mc="http://schemas.openxmlformats.org/markup-compatibility/2006">
               <mc:Choice xmlns:v="urn:schemas-microsoft-com:vml" Requires="v">
-                <p:oleObj spid="_x0000_s1081" r:id="rId3" imgW="3343742" imgH="1352381" progId="PBrush">
+                <p:oleObj spid="_x0000_s1103" r:id="rId3" imgW="3343742" imgH="1352381" progId="PBrush">
                   <p:embed/>
                 </p:oleObj>
               </mc:Choice>
@@ -26064,9 +26351,6 @@
               </a:rPr>
               <a:t>identifier；</a:t>
             </a:r>
-            <a:endParaRPr lang="zh-CN" altLang="en-US" dirty="0" smtClean="0">
-              <a:sym typeface="Arial" charset="0"/>
-            </a:endParaRPr>
           </a:p>
           <a:p>
             <a:pPr lvl="1">
@@ -26521,15 +26805,7 @@
             <a:pPr lvl="1"/>
             <a:r>
               <a:rPr lang="en-US" altLang="zh-CN" kern="0" dirty="0" smtClean="0"/>
-              <a:t>}</a:t>
-            </a:r>
-            <a:endParaRPr lang="zh-CN" altLang="en-US" kern="0" dirty="0" smtClean="0"/>
-          </a:p>
-          <a:p>
-            <a:pPr lvl="1"/>
-            <a:r>
-              <a:rPr lang="en-US" altLang="zh-CN" kern="0" dirty="0" smtClean="0"/>
-              <a:t>else if</a:t>
+              <a:t>} else if</a:t>
             </a:r>
             <a:r>
               <a:rPr lang="zh-CN" altLang="en-US" kern="0" dirty="0" smtClean="0"/>
@@ -28497,13 +28773,8 @@
             </a:pPr>
             <a:r>
               <a:rPr lang="zh-CN" altLang="en-US" dirty="0" smtClean="0"/>
-              <a:t>循环体部分：被反复执行的</a:t>
-            </a:r>
-            <a:r>
-              <a:rPr lang="zh-CN" altLang="en-US" dirty="0" smtClean="0"/>
-              <a:t>代码</a:t>
-            </a:r>
-            <a:endParaRPr lang="zh-CN" altLang="en-US" dirty="0" smtClean="0"/>
+              <a:t>循环体部分：被反复执行的代码</a:t>
+            </a:r>
           </a:p>
         </p:txBody>
       </p:sp>
@@ -29903,7 +30174,12 @@
             <p:ph type="title"/>
           </p:nvPr>
         </p:nvSpPr>
-        <p:spPr/>
+        <p:spPr>
+          <a:xfrm>
+            <a:off x="0" y="482486"/>
+            <a:ext cx="10972800" cy="742094"/>
+          </a:xfrm>
+        </p:spPr>
         <p:txBody>
           <a:bodyPr/>
           <a:lstStyle/>
@@ -30565,7 +30841,25 @@
                 </a:solidFill>
                 <a:ea typeface="宋体" pitchFamily="2" charset="-122"/>
               </a:rPr>
-              <a:t>              return n – 1 ;</a:t>
+              <a:t>              return n – </a:t>
+            </a:r>
+            <a:r>
+              <a:rPr lang="en-US" altLang="zh-CN" dirty="0" smtClean="0">
+                <a:solidFill>
+                  <a:schemeClr val="tx1"/>
+                </a:solidFill>
+                <a:ea typeface="宋体" pitchFamily="2" charset="-122"/>
+              </a:rPr>
+              <a:t>2 </a:t>
+            </a:r>
+            <a:r>
+              <a:rPr lang="en-US" altLang="zh-CN" dirty="0">
+                <a:solidFill>
+                  <a:schemeClr val="tx1"/>
+                </a:solidFill>
+                <a:ea typeface="宋体" pitchFamily="2" charset="-122"/>
+              </a:rPr>
+              <a:t>;</a:t>
             </a:r>
           </a:p>
           <a:p>
@@ -31505,7 +31799,23 @@
                   <a:schemeClr val="tx1"/>
                 </a:solidFill>
               </a:rPr>
-              <a:t>              return n – 1 ;</a:t>
+              <a:t>              return n – </a:t>
+            </a:r>
+            <a:r>
+              <a:rPr lang="en-US" altLang="zh-CN" dirty="0" smtClean="0">
+                <a:solidFill>
+                  <a:schemeClr val="tx1"/>
+                </a:solidFill>
+              </a:rPr>
+              <a:t>2 </a:t>
+            </a:r>
+            <a:r>
+              <a:rPr lang="en-US" altLang="zh-CN" dirty="0">
+                <a:solidFill>
+                  <a:schemeClr val="tx1"/>
+                </a:solidFill>
+              </a:rPr>
+              <a:t>;</a:t>
             </a:r>
           </a:p>
           <a:p>
@@ -32069,11 +32379,7 @@
             </a:pPr>
             <a:r>
               <a:rPr lang="zh-CN" altLang="en-US" dirty="0" smtClean="0"/>
-              <a:t>变量和常量的</a:t>
-            </a:r>
-            <a:r>
-              <a:rPr lang="zh-CN" altLang="en-US" dirty="0" smtClean="0"/>
-              <a:t>定义</a:t>
+              <a:t>变量和常量的定义</a:t>
             </a:r>
             <a:endParaRPr lang="en-US" altLang="zh-CN" dirty="0" smtClean="0"/>
           </a:p>
@@ -32544,7 +32850,7 @@
             </a:pPr>
             <a:r>
               <a:rPr lang="zh-CN" altLang="en-US" dirty="0" smtClean="0"/>
-              <a:t>变量名。可大小写混写，首字符小写，不用下划线，少用美元符号。给变量命名是尽量做到见名知义。</a:t>
+              <a:t>变量名。可大小写混写，首字符小写，不用下划线，少用美元符号。给变量命名时尽量做到见名知义。</a:t>
             </a:r>
             <a:endParaRPr lang="zh-CN" altLang="en-US" dirty="0" smtClean="0">
               <a:sym typeface="Arial" charset="0"/>
@@ -33247,56 +33553,56 @@
                 <a:gridCol w="1036637">
                   <a:extLst>
                     <a:ext uri="{9D8B030D-6E8A-4147-A177-3AD203B41FA5}">
-                      <a16:colId xmlns:a16="http://schemas.microsoft.com/office/drawing/2014/main" val="20000"/>
+                      <a16:colId xmlns="" xmlns:a16="http://schemas.microsoft.com/office/drawing/2014/main" val="20000"/>
                     </a:ext>
                   </a:extLst>
                 </a:gridCol>
                 <a:gridCol w="896938">
                   <a:extLst>
                     <a:ext uri="{9D8B030D-6E8A-4147-A177-3AD203B41FA5}">
-                      <a16:colId xmlns:a16="http://schemas.microsoft.com/office/drawing/2014/main" val="20001"/>
+                      <a16:colId xmlns="" xmlns:a16="http://schemas.microsoft.com/office/drawing/2014/main" val="20001"/>
                     </a:ext>
                   </a:extLst>
                 </a:gridCol>
                 <a:gridCol w="962025">
                   <a:extLst>
                     <a:ext uri="{9D8B030D-6E8A-4147-A177-3AD203B41FA5}">
-                      <a16:colId xmlns:a16="http://schemas.microsoft.com/office/drawing/2014/main" val="20002"/>
+                      <a16:colId xmlns="" xmlns:a16="http://schemas.microsoft.com/office/drawing/2014/main" val="20002"/>
                     </a:ext>
                   </a:extLst>
                 </a:gridCol>
                 <a:gridCol w="1108075">
                   <a:extLst>
                     <a:ext uri="{9D8B030D-6E8A-4147-A177-3AD203B41FA5}">
-                      <a16:colId xmlns:a16="http://schemas.microsoft.com/office/drawing/2014/main" val="20003"/>
+                      <a16:colId xmlns="" xmlns:a16="http://schemas.microsoft.com/office/drawing/2014/main" val="20003"/>
                     </a:ext>
                   </a:extLst>
                 </a:gridCol>
                 <a:gridCol w="995362">
                   <a:extLst>
                     <a:ext uri="{9D8B030D-6E8A-4147-A177-3AD203B41FA5}">
-                      <a16:colId xmlns:a16="http://schemas.microsoft.com/office/drawing/2014/main" val="20004"/>
+                      <a16:colId xmlns="" xmlns:a16="http://schemas.microsoft.com/office/drawing/2014/main" val="20004"/>
                     </a:ext>
                   </a:extLst>
                 </a:gridCol>
                 <a:gridCol w="1562100">
                   <a:extLst>
                     <a:ext uri="{9D8B030D-6E8A-4147-A177-3AD203B41FA5}">
-                      <a16:colId xmlns:a16="http://schemas.microsoft.com/office/drawing/2014/main" val="20005"/>
+                      <a16:colId xmlns="" xmlns:a16="http://schemas.microsoft.com/office/drawing/2014/main" val="20005"/>
                     </a:ext>
                   </a:extLst>
                 </a:gridCol>
                 <a:gridCol w="965200">
                   <a:extLst>
                     <a:ext uri="{9D8B030D-6E8A-4147-A177-3AD203B41FA5}">
-                      <a16:colId xmlns:a16="http://schemas.microsoft.com/office/drawing/2014/main" val="20006"/>
+                      <a16:colId xmlns="" xmlns:a16="http://schemas.microsoft.com/office/drawing/2014/main" val="20006"/>
                     </a:ext>
                   </a:extLst>
                 </a:gridCol>
                 <a:gridCol w="898525">
                   <a:extLst>
                     <a:ext uri="{9D8B030D-6E8A-4147-A177-3AD203B41FA5}">
-                      <a16:colId xmlns:a16="http://schemas.microsoft.com/office/drawing/2014/main" val="20007"/>
+                      <a16:colId xmlns="" xmlns:a16="http://schemas.microsoft.com/office/drawing/2014/main" val="20007"/>
                     </a:ext>
                   </a:extLst>
                 </a:gridCol>
@@ -34000,7 +34306,7 @@
                 </a:tc>
                 <a:extLst>
                   <a:ext uri="{0D108BD9-81ED-4DB2-BD59-A6C34878D82A}">
-                    <a16:rowId xmlns:a16="http://schemas.microsoft.com/office/drawing/2014/main" val="10000"/>
+                    <a16:rowId xmlns="" xmlns:a16="http://schemas.microsoft.com/office/drawing/2014/main" val="10000"/>
                   </a:ext>
                 </a:extLst>
               </a:tr>
@@ -34716,7 +35022,7 @@
                 </a:tc>
                 <a:extLst>
                   <a:ext uri="{0D108BD9-81ED-4DB2-BD59-A6C34878D82A}">
-                    <a16:rowId xmlns:a16="http://schemas.microsoft.com/office/drawing/2014/main" val="10001"/>
+                    <a16:rowId xmlns="" xmlns:a16="http://schemas.microsoft.com/office/drawing/2014/main" val="10001"/>
                   </a:ext>
                 </a:extLst>
               </a:tr>
@@ -35435,7 +35741,7 @@
                 </a:tc>
                 <a:extLst>
                   <a:ext uri="{0D108BD9-81ED-4DB2-BD59-A6C34878D82A}">
-                    <a16:rowId xmlns:a16="http://schemas.microsoft.com/office/drawing/2014/main" val="10002"/>
+                    <a16:rowId xmlns="" xmlns:a16="http://schemas.microsoft.com/office/drawing/2014/main" val="10002"/>
                   </a:ext>
                 </a:extLst>
               </a:tr>
@@ -36170,7 +36476,7 @@
                 </a:tc>
                 <a:extLst>
                   <a:ext uri="{0D108BD9-81ED-4DB2-BD59-A6C34878D82A}">
-                    <a16:rowId xmlns:a16="http://schemas.microsoft.com/office/drawing/2014/main" val="10003"/>
+                    <a16:rowId xmlns="" xmlns:a16="http://schemas.microsoft.com/office/drawing/2014/main" val="10003"/>
                   </a:ext>
                 </a:extLst>
               </a:tr>
@@ -36873,7 +37179,7 @@
                 </a:tc>
                 <a:extLst>
                   <a:ext uri="{0D108BD9-81ED-4DB2-BD59-A6C34878D82A}">
-                    <a16:rowId xmlns:a16="http://schemas.microsoft.com/office/drawing/2014/main" val="10004"/>
+                    <a16:rowId xmlns="" xmlns:a16="http://schemas.microsoft.com/office/drawing/2014/main" val="10004"/>
                   </a:ext>
                 </a:extLst>
               </a:tr>
@@ -37576,7 +37882,7 @@
                 </a:tc>
                 <a:extLst>
                   <a:ext uri="{0D108BD9-81ED-4DB2-BD59-A6C34878D82A}">
-                    <a16:rowId xmlns:a16="http://schemas.microsoft.com/office/drawing/2014/main" val="10005"/>
+                    <a16:rowId xmlns="" xmlns:a16="http://schemas.microsoft.com/office/drawing/2014/main" val="10005"/>
                   </a:ext>
                 </a:extLst>
               </a:tr>
@@ -37786,7 +38092,6 @@
               <a:rPr lang="zh-CN" altLang="en-US" dirty="0" smtClean="0"/>
               <a:t>类、接口、数组、枚举</a:t>
             </a:r>
-            <a:endParaRPr lang="zh-CN" altLang="en-US" dirty="0" smtClean="0"/>
           </a:p>
           <a:p>
             <a:pPr>
@@ -38286,28 +38591,28 @@
                 <a:gridCol w="1907201">
                   <a:extLst>
                     <a:ext uri="{9D8B030D-6E8A-4147-A177-3AD203B41FA5}">
-                      <a16:colId xmlns:a16="http://schemas.microsoft.com/office/drawing/2014/main" val="20000"/>
+                      <a16:colId xmlns="" xmlns:a16="http://schemas.microsoft.com/office/drawing/2014/main" val="20000"/>
                     </a:ext>
                   </a:extLst>
                 </a:gridCol>
                 <a:gridCol w="1908577">
                   <a:extLst>
                     <a:ext uri="{9D8B030D-6E8A-4147-A177-3AD203B41FA5}">
-                      <a16:colId xmlns:a16="http://schemas.microsoft.com/office/drawing/2014/main" val="20001"/>
+                      <a16:colId xmlns="" xmlns:a16="http://schemas.microsoft.com/office/drawing/2014/main" val="20001"/>
                     </a:ext>
                   </a:extLst>
                 </a:gridCol>
                 <a:gridCol w="1909224">
                   <a:extLst>
                     <a:ext uri="{9D8B030D-6E8A-4147-A177-3AD203B41FA5}">
-                      <a16:colId xmlns:a16="http://schemas.microsoft.com/office/drawing/2014/main" val="20002"/>
+                      <a16:colId xmlns="" xmlns:a16="http://schemas.microsoft.com/office/drawing/2014/main" val="20002"/>
                     </a:ext>
                   </a:extLst>
                 </a:gridCol>
                 <a:gridCol w="1907201">
                   <a:extLst>
                     <a:ext uri="{9D8B030D-6E8A-4147-A177-3AD203B41FA5}">
-                      <a16:colId xmlns:a16="http://schemas.microsoft.com/office/drawing/2014/main" val="20003"/>
+                      <a16:colId xmlns="" xmlns:a16="http://schemas.microsoft.com/office/drawing/2014/main" val="20003"/>
                     </a:ext>
                   </a:extLst>
                 </a:gridCol>
@@ -38655,7 +38960,7 @@
                 </a:tc>
                 <a:extLst>
                   <a:ext uri="{0D108BD9-81ED-4DB2-BD59-A6C34878D82A}">
-                    <a16:rowId xmlns:a16="http://schemas.microsoft.com/office/drawing/2014/main" val="10000"/>
+                    <a16:rowId xmlns="" xmlns:a16="http://schemas.microsoft.com/office/drawing/2014/main" val="10000"/>
                   </a:ext>
                 </a:extLst>
               </a:tr>
@@ -39049,7 +39354,7 @@
                 </a:tc>
                 <a:extLst>
                   <a:ext uri="{0D108BD9-81ED-4DB2-BD59-A6C34878D82A}">
-                    <a16:rowId xmlns:a16="http://schemas.microsoft.com/office/drawing/2014/main" val="10001"/>
+                    <a16:rowId xmlns="" xmlns:a16="http://schemas.microsoft.com/office/drawing/2014/main" val="10001"/>
                   </a:ext>
                 </a:extLst>
               </a:tr>
@@ -39499,7 +39804,7 @@
                 </a:tc>
                 <a:extLst>
                   <a:ext uri="{0D108BD9-81ED-4DB2-BD59-A6C34878D82A}">
-                    <a16:rowId xmlns:a16="http://schemas.microsoft.com/office/drawing/2014/main" val="10002"/>
+                    <a16:rowId xmlns="" xmlns:a16="http://schemas.microsoft.com/office/drawing/2014/main" val="10002"/>
                   </a:ext>
                 </a:extLst>
               </a:tr>
@@ -39949,7 +40254,7 @@
                 </a:tc>
                 <a:extLst>
                   <a:ext uri="{0D108BD9-81ED-4DB2-BD59-A6C34878D82A}">
-                    <a16:rowId xmlns:a16="http://schemas.microsoft.com/office/drawing/2014/main" val="10003"/>
+                    <a16:rowId xmlns="" xmlns:a16="http://schemas.microsoft.com/office/drawing/2014/main" val="10003"/>
                   </a:ext>
                 </a:extLst>
               </a:tr>
@@ -40399,7 +40704,7 @@
                 </a:tc>
                 <a:extLst>
                   <a:ext uri="{0D108BD9-81ED-4DB2-BD59-A6C34878D82A}">
-                    <a16:rowId xmlns:a16="http://schemas.microsoft.com/office/drawing/2014/main" val="10004"/>
+                    <a16:rowId xmlns="" xmlns:a16="http://schemas.microsoft.com/office/drawing/2014/main" val="10004"/>
                   </a:ext>
                 </a:extLst>
               </a:tr>
@@ -40530,28 +40835,28 @@
                 <a:gridCol w="1212949">
                   <a:extLst>
                     <a:ext uri="{9D8B030D-6E8A-4147-A177-3AD203B41FA5}">
-                      <a16:colId xmlns:a16="http://schemas.microsoft.com/office/drawing/2014/main" val="20000"/>
+                      <a16:colId xmlns="" xmlns:a16="http://schemas.microsoft.com/office/drawing/2014/main" val="20000"/>
                     </a:ext>
                   </a:extLst>
                 </a:gridCol>
                 <a:gridCol w="1440160">
                   <a:extLst>
                     <a:ext uri="{9D8B030D-6E8A-4147-A177-3AD203B41FA5}">
-                      <a16:colId xmlns:a16="http://schemas.microsoft.com/office/drawing/2014/main" val="20001"/>
+                      <a16:colId xmlns="" xmlns:a16="http://schemas.microsoft.com/office/drawing/2014/main" val="20001"/>
                     </a:ext>
                   </a:extLst>
                 </a:gridCol>
                 <a:gridCol w="3888432">
                   <a:extLst>
                     <a:ext uri="{9D8B030D-6E8A-4147-A177-3AD203B41FA5}">
-                      <a16:colId xmlns:a16="http://schemas.microsoft.com/office/drawing/2014/main" val="20002"/>
+                      <a16:colId xmlns="" xmlns:a16="http://schemas.microsoft.com/office/drawing/2014/main" val="20002"/>
                     </a:ext>
                   </a:extLst>
                 </a:gridCol>
                 <a:gridCol w="1378496">
                   <a:extLst>
                     <a:ext uri="{9D8B030D-6E8A-4147-A177-3AD203B41FA5}">
-                      <a16:colId xmlns:a16="http://schemas.microsoft.com/office/drawing/2014/main" val="20003"/>
+                      <a16:colId xmlns="" xmlns:a16="http://schemas.microsoft.com/office/drawing/2014/main" val="20003"/>
                     </a:ext>
                   </a:extLst>
                 </a:gridCol>
@@ -40899,7 +41204,7 @@
                 </a:tc>
                 <a:extLst>
                   <a:ext uri="{0D108BD9-81ED-4DB2-BD59-A6C34878D82A}">
-                    <a16:rowId xmlns:a16="http://schemas.microsoft.com/office/drawing/2014/main" val="10000"/>
+                    <a16:rowId xmlns="" xmlns:a16="http://schemas.microsoft.com/office/drawing/2014/main" val="10000"/>
                   </a:ext>
                 </a:extLst>
               </a:tr>
@@ -41314,7 +41619,7 @@
                 </a:tc>
                 <a:extLst>
                   <a:ext uri="{0D108BD9-81ED-4DB2-BD59-A6C34878D82A}">
-                    <a16:rowId xmlns:a16="http://schemas.microsoft.com/office/drawing/2014/main" val="10001"/>
+                    <a16:rowId xmlns="" xmlns:a16="http://schemas.microsoft.com/office/drawing/2014/main" val="10001"/>
                   </a:ext>
                 </a:extLst>
               </a:tr>
@@ -41729,7 +42034,7 @@
                 </a:tc>
                 <a:extLst>
                   <a:ext uri="{0D108BD9-81ED-4DB2-BD59-A6C34878D82A}">
-                    <a16:rowId xmlns:a16="http://schemas.microsoft.com/office/drawing/2014/main" val="10002"/>
+                    <a16:rowId xmlns="" xmlns:a16="http://schemas.microsoft.com/office/drawing/2014/main" val="10002"/>
                   </a:ext>
                 </a:extLst>
               </a:tr>
@@ -41773,8 +42078,109 @@
           <a:lstStyle/>
           <a:p>
             <a:r>
+              <a:rPr lang="en-US" altLang="zh-CN" b="1" dirty="0" smtClean="0">
+                <a:solidFill>
+                  <a:srgbClr val="7F0055"/>
+                </a:solidFill>
+                <a:latin typeface="Consolas" panose="020B0609020204030204" pitchFamily="49" charset="0"/>
+              </a:rPr>
+              <a:t>float</a:t>
+            </a:r>
+            <a:r>
+              <a:rPr lang="zh-CN" altLang="en-US" b="1" dirty="0" smtClean="0">
+                <a:solidFill>
+                  <a:srgbClr val="000000"/>
+                </a:solidFill>
+                <a:latin typeface="Consolas" panose="020B0609020204030204" pitchFamily="49" charset="0"/>
+              </a:rPr>
+              <a:t> </a:t>
+            </a:r>
+            <a:r>
+              <a:rPr lang="en-US" altLang="zh-CN" b="1" dirty="0" smtClean="0">
+                <a:solidFill>
+                  <a:srgbClr val="6A3E3E"/>
+                </a:solidFill>
+                <a:latin typeface="Consolas" panose="020B0609020204030204" pitchFamily="49" charset="0"/>
+              </a:rPr>
+              <a:t>fNum1</a:t>
+            </a:r>
+            <a:r>
+              <a:rPr lang="zh-CN" altLang="en-US" b="1" dirty="0" smtClean="0">
+                <a:solidFill>
+                  <a:srgbClr val="000000"/>
+                </a:solidFill>
+                <a:latin typeface="Consolas" panose="020B0609020204030204" pitchFamily="49" charset="0"/>
+              </a:rPr>
+              <a:t> </a:t>
+            </a:r>
+            <a:r>
+              <a:rPr lang="en-US" altLang="zh-CN" b="1" dirty="0" smtClean="0">
+                <a:solidFill>
+                  <a:srgbClr val="000000"/>
+                </a:solidFill>
+                <a:latin typeface="Consolas" panose="020B0609020204030204" pitchFamily="49" charset="0"/>
+              </a:rPr>
+              <a:t>= 10;       </a:t>
+            </a:r>
+            <a:r>
+              <a:rPr lang="en-US" altLang="zh-CN" b="1" dirty="0" smtClean="0">
+                <a:solidFill>
+                  <a:srgbClr val="3F7F5F"/>
+                </a:solidFill>
+                <a:latin typeface="Consolas" panose="020B0609020204030204" pitchFamily="49" charset="0"/>
+              </a:rPr>
+              <a:t>//</a:t>
+            </a:r>
+            <a:r>
+              <a:rPr lang="zh-CN" altLang="en-US" b="1" dirty="0">
+                <a:solidFill>
+                  <a:srgbClr val="3F7F5F"/>
+                </a:solidFill>
+                <a:latin typeface="Consolas" panose="020B0609020204030204" pitchFamily="49" charset="0"/>
+              </a:rPr>
+              <a:t>编译通过（</a:t>
+            </a:r>
+            <a:r>
+              <a:rPr lang="en-US" altLang="zh-CN" b="1" dirty="0" err="1">
+                <a:solidFill>
+                  <a:srgbClr val="3F7F5F"/>
+                </a:solidFill>
+                <a:latin typeface="Consolas" panose="020B0609020204030204" pitchFamily="49" charset="0"/>
+              </a:rPr>
+              <a:t>int</a:t>
+            </a:r>
+            <a:r>
+              <a:rPr lang="zh-CN" altLang="en-US" b="1" dirty="0">
+                <a:solidFill>
+                  <a:srgbClr val="3F7F5F"/>
+                </a:solidFill>
+                <a:latin typeface="Consolas" panose="020B0609020204030204" pitchFamily="49" charset="0"/>
+              </a:rPr>
+              <a:t>转</a:t>
+            </a:r>
+            <a:r>
               <a:rPr lang="en-US" altLang="zh-CN" b="1" dirty="0">
                 <a:solidFill>
+                  <a:srgbClr val="3F7F5F"/>
+                </a:solidFill>
+                <a:latin typeface="Consolas" panose="020B0609020204030204" pitchFamily="49" charset="0"/>
+              </a:rPr>
+              <a:t>float</a:t>
+            </a:r>
+            <a:r>
+              <a:rPr lang="zh-CN" altLang="en-US" b="1" dirty="0">
+                <a:solidFill>
+                  <a:srgbClr val="3F7F5F"/>
+                </a:solidFill>
+                <a:latin typeface="Consolas" panose="020B0609020204030204" pitchFamily="49" charset="0"/>
+              </a:rPr>
+              <a:t>）</a:t>
+            </a:r>
+          </a:p>
+          <a:p>
+            <a:r>
+              <a:rPr lang="en-US" altLang="zh-CN" b="1" dirty="0">
+                <a:solidFill>
                   <a:srgbClr val="7F0055"/>
                 </a:solidFill>
                 <a:latin typeface="Consolas" panose="020B0609020204030204" pitchFamily="49" charset="0"/>
@@ -41797,7 +42203,7 @@
                 </a:solidFill>
                 <a:latin typeface="Consolas" panose="020B0609020204030204" pitchFamily="49" charset="0"/>
               </a:rPr>
-              <a:t>fNum1</a:t>
+              <a:t>fNum2</a:t>
             </a:r>
             <a:r>
               <a:rPr lang="zh-CN" altLang="en-US" b="1" dirty="0">
@@ -41815,108 +42221,25 @@
                 </a:solidFill>
                 <a:latin typeface="Consolas" panose="020B0609020204030204" pitchFamily="49" charset="0"/>
               </a:rPr>
-              <a:t>= 10;       </a:t>
+              <a:t>= </a:t>
+            </a:r>
+            <a:r>
+              <a:rPr lang="en-US" altLang="zh-CN" b="1" dirty="0" smtClean="0">
+                <a:solidFill>
+                  <a:srgbClr val="000000"/>
+                </a:solidFill>
+                <a:latin typeface="Consolas" panose="020B0609020204030204" pitchFamily="49" charset="0"/>
+              </a:rPr>
+              <a:t>10.0</a:t>
             </a:r>
             <a:r>
               <a:rPr lang="en-US" altLang="zh-CN" b="1" dirty="0">
                 <a:solidFill>
-                  <a:srgbClr val="3F7F5F"/>
+                  <a:srgbClr val="000000"/>
                 </a:solidFill>
                 <a:latin typeface="Consolas" panose="020B0609020204030204" pitchFamily="49" charset="0"/>
               </a:rPr>
-              <a:t>//</a:t>
-            </a:r>
-            <a:r>
-              <a:rPr lang="zh-CN" altLang="en-US" b="1" dirty="0">
-                <a:solidFill>
-                  <a:srgbClr val="3F7F5F"/>
-                </a:solidFill>
-                <a:latin typeface="Consolas" panose="020B0609020204030204" pitchFamily="49" charset="0"/>
-              </a:rPr>
-              <a:t>编译通过（</a:t>
-            </a:r>
-            <a:r>
-              <a:rPr lang="en-US" altLang="zh-CN" b="1" u="sng" dirty="0" err="1">
-                <a:solidFill>
-                  <a:srgbClr val="3F7F5F"/>
-                </a:solidFill>
-                <a:latin typeface="Consolas" panose="020B0609020204030204" pitchFamily="49" charset="0"/>
-              </a:rPr>
-              <a:t>int</a:t>
-            </a:r>
-            <a:r>
-              <a:rPr lang="zh-CN" altLang="en-US" b="1" u="sng" dirty="0">
-                <a:solidFill>
-                  <a:srgbClr val="3F7F5F"/>
-                </a:solidFill>
-                <a:latin typeface="Consolas" panose="020B0609020204030204" pitchFamily="49" charset="0"/>
-              </a:rPr>
-              <a:t>转</a:t>
-            </a:r>
-            <a:r>
-              <a:rPr lang="en-US" altLang="zh-CN" b="1" u="sng" dirty="0">
-                <a:solidFill>
-                  <a:srgbClr val="3F7F5F"/>
-                </a:solidFill>
-                <a:latin typeface="Consolas" panose="020B0609020204030204" pitchFamily="49" charset="0"/>
-              </a:rPr>
-              <a:t>float</a:t>
-            </a:r>
-            <a:r>
-              <a:rPr lang="zh-CN" altLang="en-US" b="1" u="sng" dirty="0">
-                <a:solidFill>
-                  <a:srgbClr val="3F7F5F"/>
-                </a:solidFill>
-                <a:latin typeface="Consolas" panose="020B0609020204030204" pitchFamily="49" charset="0"/>
-              </a:rPr>
-              <a:t>）</a:t>
-            </a:r>
-          </a:p>
-          <a:p>
-            <a:r>
-              <a:rPr lang="en-US" altLang="zh-CN" b="1" dirty="0">
-                <a:solidFill>
-                  <a:srgbClr val="7F0055"/>
-                </a:solidFill>
-                <a:latin typeface="Consolas" panose="020B0609020204030204" pitchFamily="49" charset="0"/>
-              </a:rPr>
-              <a:t>float</a:t>
-            </a:r>
-            <a:r>
-              <a:rPr lang="zh-CN" altLang="en-US" b="1" dirty="0">
-                <a:solidFill>
-                  <a:srgbClr val="000000"/>
-                </a:solidFill>
-                <a:latin typeface="Consolas" panose="020B0609020204030204" pitchFamily="49" charset="0"/>
-              </a:rPr>
-              <a:t> </a:t>
-            </a:r>
-            <a:r>
-              <a:rPr lang="en-US" altLang="zh-CN" b="1" dirty="0">
-                <a:solidFill>
-                  <a:srgbClr val="6A3E3E"/>
-                </a:solidFill>
-                <a:latin typeface="Consolas" panose="020B0609020204030204" pitchFamily="49" charset="0"/>
-              </a:rPr>
-              <a:t>fNum2</a:t>
-            </a:r>
-            <a:r>
-              <a:rPr lang="zh-CN" altLang="en-US" b="1" dirty="0">
-                <a:solidFill>
-                  <a:srgbClr val="000000"/>
-                </a:solidFill>
-                <a:latin typeface="Consolas" panose="020B0609020204030204" pitchFamily="49" charset="0"/>
-              </a:rPr>
-              <a:t> </a:t>
-            </a:r>
-            <a:r>
-              <a:rPr lang="en-US" altLang="zh-CN" b="1" dirty="0">
-                <a:solidFill>
-                  <a:srgbClr val="000000"/>
-                </a:solidFill>
-                <a:latin typeface="Consolas" panose="020B0609020204030204" pitchFamily="49" charset="0"/>
-              </a:rPr>
-              <a:t>= 10.0;        </a:t>
+              <a:t>;        </a:t>
             </a:r>
             <a:r>
               <a:rPr lang="en-US" altLang="zh-CN" b="1" dirty="0">
